--- a/Study Source presentation.pptx
+++ b/Study Source presentation.pptx
@@ -7,7 +7,11 @@
   <p:sldIdLst>
     <p:sldId id="257" r:id="rId2"/>
     <p:sldId id="258" r:id="rId3"/>
-    <p:sldId id="259" r:id="rId4"/>
+    <p:sldId id="264" r:id="rId4"/>
+    <p:sldId id="260" r:id="rId5"/>
+    <p:sldId id="261" r:id="rId6"/>
+    <p:sldId id="262" r:id="rId7"/>
+    <p:sldId id="263" r:id="rId8"/>
   </p:sldIdLst>
   <p:sldSz cx="12192000" cy="6858000"/>
   <p:notesSz cx="6858000" cy="9144000"/>
@@ -312,7 +316,7 @@
             <a:fld id="{B61BEF0D-F0BB-DE4B-95CE-6DB70DBA9567}" type="datetimeFigureOut">
               <a:rPr lang="en-US" dirty="0"/>
               <a:pPr/>
-              <a:t>3/1/2016</a:t>
+              <a:t>07/03/16</a:t>
             </a:fld>
             <a:endParaRPr lang="en-US" dirty="0"/>
           </a:p>
@@ -600,7 +604,7 @@
             <a:fld id="{B61BEF0D-F0BB-DE4B-95CE-6DB70DBA9567}" type="datetimeFigureOut">
               <a:rPr lang="en-US" dirty="0"/>
               <a:pPr/>
-              <a:t>3/1/2016</a:t>
+              <a:t>07/03/16</a:t>
             </a:fld>
             <a:endParaRPr lang="en-US" dirty="0"/>
           </a:p>
@@ -845,7 +849,7 @@
             <a:fld id="{B61BEF0D-F0BB-DE4B-95CE-6DB70DBA9567}" type="datetimeFigureOut">
               <a:rPr lang="en-US" dirty="0"/>
               <a:pPr/>
-              <a:t>3/1/2016</a:t>
+              <a:t>07/03/16</a:t>
             </a:fld>
             <a:endParaRPr lang="en-US" dirty="0"/>
           </a:p>
@@ -1378,7 +1382,7 @@
             <a:fld id="{B61BEF0D-F0BB-DE4B-95CE-6DB70DBA9567}" type="datetimeFigureOut">
               <a:rPr lang="en-US" dirty="0"/>
               <a:pPr/>
-              <a:t>3/1/2016</a:t>
+              <a:t>07/03/16</a:t>
             </a:fld>
             <a:endParaRPr lang="en-US" dirty="0"/>
           </a:p>
@@ -1623,7 +1627,7 @@
             <a:fld id="{B61BEF0D-F0BB-DE4B-95CE-6DB70DBA9567}" type="datetimeFigureOut">
               <a:rPr lang="en-US" dirty="0"/>
               <a:pPr/>
-              <a:t>3/1/2016</a:t>
+              <a:t>07/03/16</a:t>
             </a:fld>
             <a:endParaRPr lang="en-US" dirty="0"/>
           </a:p>
@@ -2163,7 +2167,7 @@
             <a:fld id="{B61BEF0D-F0BB-DE4B-95CE-6DB70DBA9567}" type="datetimeFigureOut">
               <a:rPr lang="en-US" dirty="0"/>
               <a:pPr/>
-              <a:t>3/1/2016</a:t>
+              <a:t>07/03/16</a:t>
             </a:fld>
             <a:endParaRPr lang="en-US" dirty="0"/>
           </a:p>
@@ -2470,7 +2474,7 @@
             <a:fld id="{B61BEF0D-F0BB-DE4B-95CE-6DB70DBA9567}" type="datetimeFigureOut">
               <a:rPr lang="en-US" dirty="0"/>
               <a:pPr/>
-              <a:t>3/1/2016</a:t>
+              <a:t>07/03/16</a:t>
             </a:fld>
             <a:endParaRPr lang="en-US" dirty="0"/>
           </a:p>
@@ -2642,7 +2646,7 @@
             <a:fld id="{B61BEF0D-F0BB-DE4B-95CE-6DB70DBA9567}" type="datetimeFigureOut">
               <a:rPr lang="en-US" dirty="0"/>
               <a:pPr/>
-              <a:t>3/1/2016</a:t>
+              <a:t>07/03/16</a:t>
             </a:fld>
             <a:endParaRPr lang="en-US" dirty="0"/>
           </a:p>
@@ -2819,7 +2823,7 @@
             <a:fld id="{B61BEF0D-F0BB-DE4B-95CE-6DB70DBA9567}" type="datetimeFigureOut">
               <a:rPr lang="en-US" dirty="0"/>
               <a:pPr/>
-              <a:t>3/1/2016</a:t>
+              <a:t>07/03/16</a:t>
             </a:fld>
             <a:endParaRPr lang="en-US" dirty="0"/>
           </a:p>
@@ -2986,7 +2990,7 @@
             <a:fld id="{B61BEF0D-F0BB-DE4B-95CE-6DB70DBA9567}" type="datetimeFigureOut">
               <a:rPr lang="en-US" dirty="0"/>
               <a:pPr/>
-              <a:t>3/1/2016</a:t>
+              <a:t>07/03/16</a:t>
             </a:fld>
             <a:endParaRPr lang="en-US" dirty="0"/>
           </a:p>
@@ -3229,7 +3233,7 @@
             <a:fld id="{B61BEF0D-F0BB-DE4B-95CE-6DB70DBA9567}" type="datetimeFigureOut">
               <a:rPr lang="en-US" dirty="0"/>
               <a:pPr/>
-              <a:t>3/1/2016</a:t>
+              <a:t>07/03/16</a:t>
             </a:fld>
             <a:endParaRPr lang="en-US" dirty="0"/>
           </a:p>
@@ -3518,7 +3522,7 @@
             <a:fld id="{B61BEF0D-F0BB-DE4B-95CE-6DB70DBA9567}" type="datetimeFigureOut">
               <a:rPr lang="en-US" dirty="0"/>
               <a:pPr/>
-              <a:t>3/1/2016</a:t>
+              <a:t>07/03/16</a:t>
             </a:fld>
             <a:endParaRPr lang="en-US" dirty="0"/>
           </a:p>
@@ -3945,7 +3949,7 @@
             <a:fld id="{B61BEF0D-F0BB-DE4B-95CE-6DB70DBA9567}" type="datetimeFigureOut">
               <a:rPr lang="en-US" dirty="0"/>
               <a:pPr/>
-              <a:t>3/1/2016</a:t>
+              <a:t>07/03/16</a:t>
             </a:fld>
             <a:endParaRPr lang="en-US" dirty="0"/>
           </a:p>
@@ -4065,7 +4069,7 @@
             <a:fld id="{B61BEF0D-F0BB-DE4B-95CE-6DB70DBA9567}" type="datetimeFigureOut">
               <a:rPr lang="en-US" dirty="0"/>
               <a:pPr/>
-              <a:t>3/1/2016</a:t>
+              <a:t>07/03/16</a:t>
             </a:fld>
             <a:endParaRPr lang="en-US" dirty="0"/>
           </a:p>
@@ -4157,7 +4161,7 @@
             <a:fld id="{B61BEF0D-F0BB-DE4B-95CE-6DB70DBA9567}" type="datetimeFigureOut">
               <a:rPr lang="en-US" dirty="0"/>
               <a:pPr/>
-              <a:t>3/1/2016</a:t>
+              <a:t>07/03/16</a:t>
             </a:fld>
             <a:endParaRPr lang="en-US" dirty="0"/>
           </a:p>
@@ -4437,7 +4441,7 @@
             <a:fld id="{B61BEF0D-F0BB-DE4B-95CE-6DB70DBA9567}" type="datetimeFigureOut">
               <a:rPr lang="en-US" dirty="0"/>
               <a:pPr/>
-              <a:t>3/1/2016</a:t>
+              <a:t>07/03/16</a:t>
             </a:fld>
             <a:endParaRPr lang="en-US" dirty="0"/>
           </a:p>
@@ -4725,7 +4729,7 @@
             <a:fld id="{B61BEF0D-F0BB-DE4B-95CE-6DB70DBA9567}" type="datetimeFigureOut">
               <a:rPr lang="en-US" dirty="0"/>
               <a:pPr/>
-              <a:t>3/1/2016</a:t>
+              <a:t>07/03/16</a:t>
             </a:fld>
             <a:endParaRPr lang="en-US" dirty="0"/>
           </a:p>
@@ -4953,7 +4957,7 @@
             <a:fld id="{B61BEF0D-F0BB-DE4B-95CE-6DB70DBA9567}" type="datetimeFigureOut">
               <a:rPr lang="en-US" dirty="0"/>
               <a:pPr/>
-              <a:t>3/1/2016</a:t>
+              <a:t>07/03/16</a:t>
             </a:fld>
             <a:endParaRPr lang="en-US" dirty="0"/>
           </a:p>
@@ -5675,7 +5679,7 @@
   <p:timing>
     <p:tnLst>
       <p:par>
-        <p:cTn id="1" dur="indefinite" restart="never" nodeType="tmRoot"/>
+        <p:cTn xmlns:p14="http://schemas.microsoft.com/office/powerpoint/2010/main" id="1" dur="indefinite" restart="never" nodeType="tmRoot"/>
       </p:par>
     </p:tnLst>
   </p:timing>
@@ -5821,7 +5825,7 @@
   <p:timing>
     <p:tnLst>
       <p:par>
-        <p:cTn id="1" dur="indefinite" restart="never" nodeType="tmRoot"/>
+        <p:cTn xmlns:p14="http://schemas.microsoft.com/office/powerpoint/2010/main" id="1" dur="indefinite" restart="never" nodeType="tmRoot"/>
       </p:par>
     </p:tnLst>
   </p:timing>
@@ -5847,60 +5851,394 @@
       </p:grpSpPr>
       <p:sp>
         <p:nvSpPr>
-          <p:cNvPr id="2" name="TextBox 1"/>
-          <p:cNvSpPr txBox="1"/>
-          <p:nvPr/>
-        </p:nvSpPr>
-        <p:spPr>
-          <a:xfrm>
-            <a:off x="1252728" y="1014984"/>
-            <a:ext cx="9637776" cy="1200329"/>
-          </a:xfrm>
-          <a:prstGeom prst="rect">
-            <a:avLst/>
-          </a:prstGeom>
-          <a:noFill/>
-        </p:spPr>
-        <p:txBody>
-          <a:bodyPr wrap="square" rtlCol="0">
-            <a:spAutoFit/>
-          </a:bodyPr>
+          <p:cNvPr id="2" name="Title 1"/>
+          <p:cNvSpPr>
+            <a:spLocks noGrp="1"/>
+          </p:cNvSpPr>
+          <p:nvPr>
+            <p:ph type="title"/>
+          </p:nvPr>
+        </p:nvSpPr>
+        <p:spPr/>
+        <p:txBody>
+          <a:bodyPr/>
+          <a:lstStyle/>
+          <a:p>
+            <a:r>
+              <a:rPr lang="en-US" dirty="0" smtClean="0"/>
+              <a:t>Features in place</a:t>
+            </a:r>
+            <a:endParaRPr lang="en-US" dirty="0"/>
+          </a:p>
+        </p:txBody>
+      </p:sp>
+      <p:sp>
+        <p:nvSpPr>
+          <p:cNvPr id="3" name="Content Placeholder 2"/>
+          <p:cNvSpPr>
+            <a:spLocks noGrp="1"/>
+          </p:cNvSpPr>
+          <p:nvPr>
+            <p:ph idx="1"/>
+          </p:nvPr>
+        </p:nvSpPr>
+        <p:spPr/>
+        <p:txBody>
+          <a:bodyPr/>
           <a:lstStyle/>
           <a:p>
             <a:r>
               <a:rPr lang="en-IE" dirty="0" smtClean="0"/>
-              <a:t>We currently have a few very good looking features on our website, the first of which is the home page.</a:t>
-            </a:r>
-          </a:p>
-          <a:p>
+              <a:t>home </a:t>
+            </a:r>
+            <a:r>
+              <a:rPr lang="en-IE" dirty="0"/>
+              <a:t>page</a:t>
+            </a:r>
+            <a:r>
+              <a:rPr lang="en-IE" dirty="0" smtClean="0"/>
+              <a:t>.</a:t>
+            </a:r>
+          </a:p>
+          <a:p>
+            <a:r>
+              <a:rPr lang="en-IE" dirty="0"/>
+              <a:t>Our website fully supports new users who are looking to sign up to the service</a:t>
+            </a:r>
+            <a:r>
+              <a:rPr lang="en-IE" dirty="0" smtClean="0"/>
+              <a:t>.</a:t>
+            </a:r>
             <a:endParaRPr lang="en-IE" dirty="0"/>
           </a:p>
           <a:p>
             <a:r>
-              <a:rPr lang="en-IE" dirty="0" smtClean="0"/>
-              <a:t>Our website fully supports new users who are looking to sign up to the service.</a:t>
-            </a:r>
+              <a:rPr lang="en-IE" dirty="0"/>
+              <a:t>We have a section for Leaving Cert notes and one for College notes, which allows users to browse our library of notes by topic, and also to search for the notes they want</a:t>
+            </a:r>
+          </a:p>
+          <a:p>
             <a:endParaRPr lang="en-IE" dirty="0"/>
+          </a:p>
+          <a:p>
+            <a:endParaRPr lang="en-US" dirty="0"/>
           </a:p>
         </p:txBody>
       </p:sp>
     </p:spTree>
     <p:extLst>
       <p:ext uri="{BB962C8B-B14F-4D97-AF65-F5344CB8AC3E}">
-        <p14:creationId xmlns:p14="http://schemas.microsoft.com/office/powerpoint/2010/main" val="678084749"/>
+        <p14:creationId xmlns:p14="http://schemas.microsoft.com/office/powerpoint/2010/main" val="2115002580"/>
       </p:ext>
     </p:extLst>
   </p:cSld>
   <p:clrMapOvr>
     <a:masterClrMapping/>
   </p:clrMapOvr>
-  <p:timing>
-    <p:tnLst>
-      <p:par>
-        <p:cTn id="1" dur="indefinite" restart="never" nodeType="tmRoot"/>
-      </p:par>
-    </p:tnLst>
-  </p:timing>
+</p:sld>
+</file>
+
+<file path=ppt/slides/slide4.xml><?xml version="1.0" encoding="utf-8"?>
+<p:sld xmlns:a="http://schemas.openxmlformats.org/drawingml/2006/main" xmlns:r="http://schemas.openxmlformats.org/officeDocument/2006/relationships" xmlns:p="http://schemas.openxmlformats.org/presentationml/2006/main">
+  <p:cSld>
+    <p:spTree>
+      <p:nvGrpSpPr>
+        <p:cNvPr id="1" name=""/>
+        <p:cNvGrpSpPr/>
+        <p:nvPr/>
+      </p:nvGrpSpPr>
+      <p:grpSpPr>
+        <a:xfrm>
+          <a:off x="0" y="0"/>
+          <a:ext cx="0" cy="0"/>
+          <a:chOff x="0" y="0"/>
+          <a:chExt cx="0" cy="0"/>
+        </a:xfrm>
+      </p:grpSpPr>
+      <p:sp>
+        <p:nvSpPr>
+          <p:cNvPr id="2" name="Title 1"/>
+          <p:cNvSpPr>
+            <a:spLocks noGrp="1"/>
+          </p:cNvSpPr>
+          <p:nvPr>
+            <p:ph type="title"/>
+          </p:nvPr>
+        </p:nvSpPr>
+        <p:spPr/>
+        <p:txBody>
+          <a:bodyPr/>
+          <a:lstStyle/>
+          <a:p>
+            <a:r>
+              <a:rPr lang="en-US" dirty="0" smtClean="0"/>
+              <a:t>Features yet to be implemented</a:t>
+            </a:r>
+            <a:endParaRPr lang="en-US" dirty="0"/>
+          </a:p>
+        </p:txBody>
+      </p:sp>
+      <p:sp>
+        <p:nvSpPr>
+          <p:cNvPr id="3" name="Content Placeholder 2"/>
+          <p:cNvSpPr>
+            <a:spLocks noGrp="1"/>
+          </p:cNvSpPr>
+          <p:nvPr>
+            <p:ph idx="1"/>
+          </p:nvPr>
+        </p:nvSpPr>
+        <p:spPr/>
+        <p:txBody>
+          <a:bodyPr/>
+          <a:lstStyle/>
+          <a:p>
+            <a:r>
+              <a:rPr lang="en-US" dirty="0" smtClean="0"/>
+              <a:t>Allow users to upload notes</a:t>
+            </a:r>
+          </a:p>
+          <a:p>
+            <a:r>
+              <a:rPr lang="en-US" dirty="0" smtClean="0"/>
+              <a:t>Allow users to purchase notes</a:t>
+            </a:r>
+          </a:p>
+          <a:p>
+            <a:r>
+              <a:rPr lang="en-US" dirty="0" smtClean="0"/>
+              <a:t>Allow users to rate notes purchased</a:t>
+            </a:r>
+            <a:endParaRPr lang="en-US" dirty="0"/>
+          </a:p>
+        </p:txBody>
+      </p:sp>
+    </p:spTree>
+    <p:extLst>
+      <p:ext uri="{BB962C8B-B14F-4D97-AF65-F5344CB8AC3E}">
+        <p14:creationId xmlns:p14="http://schemas.microsoft.com/office/powerpoint/2010/main" val="3595258272"/>
+      </p:ext>
+    </p:extLst>
+  </p:cSld>
+  <p:clrMapOvr>
+    <a:masterClrMapping/>
+  </p:clrMapOvr>
+</p:sld>
+</file>
+
+<file path=ppt/slides/slide5.xml><?xml version="1.0" encoding="utf-8"?>
+<p:sld xmlns:a="http://schemas.openxmlformats.org/drawingml/2006/main" xmlns:r="http://schemas.openxmlformats.org/officeDocument/2006/relationships" xmlns:p="http://schemas.openxmlformats.org/presentationml/2006/main">
+  <p:cSld>
+    <p:spTree>
+      <p:nvGrpSpPr>
+        <p:cNvPr id="1" name=""/>
+        <p:cNvGrpSpPr/>
+        <p:nvPr/>
+      </p:nvGrpSpPr>
+      <p:grpSpPr>
+        <a:xfrm>
+          <a:off x="0" y="0"/>
+          <a:ext cx="0" cy="0"/>
+          <a:chOff x="0" y="0"/>
+          <a:chExt cx="0" cy="0"/>
+        </a:xfrm>
+      </p:grpSpPr>
+      <p:sp>
+        <p:nvSpPr>
+          <p:cNvPr id="2" name="Title 1"/>
+          <p:cNvSpPr>
+            <a:spLocks noGrp="1"/>
+          </p:cNvSpPr>
+          <p:nvPr>
+            <p:ph type="title"/>
+          </p:nvPr>
+        </p:nvSpPr>
+        <p:spPr/>
+        <p:txBody>
+          <a:bodyPr/>
+          <a:lstStyle/>
+          <a:p>
+            <a:r>
+              <a:rPr lang="en-US" dirty="0" smtClean="0"/>
+              <a:t>Evaluation of design</a:t>
+            </a:r>
+            <a:endParaRPr lang="en-US" dirty="0"/>
+          </a:p>
+        </p:txBody>
+      </p:sp>
+      <p:sp>
+        <p:nvSpPr>
+          <p:cNvPr id="3" name="Content Placeholder 2"/>
+          <p:cNvSpPr>
+            <a:spLocks noGrp="1"/>
+          </p:cNvSpPr>
+          <p:nvPr>
+            <p:ph idx="1"/>
+          </p:nvPr>
+        </p:nvSpPr>
+        <p:spPr/>
+        <p:txBody>
+          <a:bodyPr/>
+          <a:lstStyle/>
+          <a:p>
+            <a:endParaRPr lang="en-US"/>
+          </a:p>
+        </p:txBody>
+      </p:sp>
+    </p:spTree>
+    <p:extLst>
+      <p:ext uri="{BB962C8B-B14F-4D97-AF65-F5344CB8AC3E}">
+        <p14:creationId xmlns:p14="http://schemas.microsoft.com/office/powerpoint/2010/main" val="2240367977"/>
+      </p:ext>
+    </p:extLst>
+  </p:cSld>
+  <p:clrMapOvr>
+    <a:masterClrMapping/>
+  </p:clrMapOvr>
+</p:sld>
+</file>
+
+<file path=ppt/slides/slide6.xml><?xml version="1.0" encoding="utf-8"?>
+<p:sld xmlns:a="http://schemas.openxmlformats.org/drawingml/2006/main" xmlns:r="http://schemas.openxmlformats.org/officeDocument/2006/relationships" xmlns:p="http://schemas.openxmlformats.org/presentationml/2006/main">
+  <p:cSld>
+    <p:spTree>
+      <p:nvGrpSpPr>
+        <p:cNvPr id="1" name=""/>
+        <p:cNvGrpSpPr/>
+        <p:nvPr/>
+      </p:nvGrpSpPr>
+      <p:grpSpPr>
+        <a:xfrm>
+          <a:off x="0" y="0"/>
+          <a:ext cx="0" cy="0"/>
+          <a:chOff x="0" y="0"/>
+          <a:chExt cx="0" cy="0"/>
+        </a:xfrm>
+      </p:grpSpPr>
+      <p:sp>
+        <p:nvSpPr>
+          <p:cNvPr id="2" name="Title 1"/>
+          <p:cNvSpPr>
+            <a:spLocks noGrp="1"/>
+          </p:cNvSpPr>
+          <p:nvPr>
+            <p:ph type="title"/>
+          </p:nvPr>
+        </p:nvSpPr>
+        <p:spPr/>
+        <p:txBody>
+          <a:bodyPr/>
+          <a:lstStyle/>
+          <a:p>
+            <a:r>
+              <a:rPr lang="en-US" dirty="0" smtClean="0"/>
+              <a:t>Problems encountered so far</a:t>
+            </a:r>
+            <a:endParaRPr lang="en-US" dirty="0"/>
+          </a:p>
+        </p:txBody>
+      </p:sp>
+      <p:sp>
+        <p:nvSpPr>
+          <p:cNvPr id="3" name="Content Placeholder 2"/>
+          <p:cNvSpPr>
+            <a:spLocks noGrp="1"/>
+          </p:cNvSpPr>
+          <p:nvPr>
+            <p:ph idx="1"/>
+          </p:nvPr>
+        </p:nvSpPr>
+        <p:spPr/>
+        <p:txBody>
+          <a:bodyPr/>
+          <a:lstStyle/>
+          <a:p>
+            <a:endParaRPr lang="en-US"/>
+          </a:p>
+        </p:txBody>
+      </p:sp>
+    </p:spTree>
+    <p:extLst>
+      <p:ext uri="{BB962C8B-B14F-4D97-AF65-F5344CB8AC3E}">
+        <p14:creationId xmlns:p14="http://schemas.microsoft.com/office/powerpoint/2010/main" val="3741008001"/>
+      </p:ext>
+    </p:extLst>
+  </p:cSld>
+  <p:clrMapOvr>
+    <a:masterClrMapping/>
+  </p:clrMapOvr>
+</p:sld>
+</file>
+
+<file path=ppt/slides/slide7.xml><?xml version="1.0" encoding="utf-8"?>
+<p:sld xmlns:a="http://schemas.openxmlformats.org/drawingml/2006/main" xmlns:r="http://schemas.openxmlformats.org/officeDocument/2006/relationships" xmlns:p="http://schemas.openxmlformats.org/presentationml/2006/main">
+  <p:cSld>
+    <p:spTree>
+      <p:nvGrpSpPr>
+        <p:cNvPr id="1" name=""/>
+        <p:cNvGrpSpPr/>
+        <p:nvPr/>
+      </p:nvGrpSpPr>
+      <p:grpSpPr>
+        <a:xfrm>
+          <a:off x="0" y="0"/>
+          <a:ext cx="0" cy="0"/>
+          <a:chOff x="0" y="0"/>
+          <a:chExt cx="0" cy="0"/>
+        </a:xfrm>
+      </p:grpSpPr>
+      <p:sp>
+        <p:nvSpPr>
+          <p:cNvPr id="2" name="Title 1"/>
+          <p:cNvSpPr>
+            <a:spLocks noGrp="1"/>
+          </p:cNvSpPr>
+          <p:nvPr>
+            <p:ph type="title"/>
+          </p:nvPr>
+        </p:nvSpPr>
+        <p:spPr/>
+        <p:txBody>
+          <a:bodyPr/>
+          <a:lstStyle/>
+          <a:p>
+            <a:r>
+              <a:rPr lang="en-US" dirty="0" smtClean="0"/>
+              <a:t>Plan for completing the application</a:t>
+            </a:r>
+            <a:endParaRPr lang="en-US" dirty="0"/>
+          </a:p>
+        </p:txBody>
+      </p:sp>
+      <p:sp>
+        <p:nvSpPr>
+          <p:cNvPr id="3" name="Content Placeholder 2"/>
+          <p:cNvSpPr>
+            <a:spLocks noGrp="1"/>
+          </p:cNvSpPr>
+          <p:nvPr>
+            <p:ph idx="1"/>
+          </p:nvPr>
+        </p:nvSpPr>
+        <p:spPr/>
+        <p:txBody>
+          <a:bodyPr/>
+          <a:lstStyle/>
+          <a:p>
+            <a:endParaRPr lang="en-US"/>
+          </a:p>
+        </p:txBody>
+      </p:sp>
+    </p:spTree>
+    <p:extLst>
+      <p:ext uri="{BB962C8B-B14F-4D97-AF65-F5344CB8AC3E}">
+        <p14:creationId xmlns:p14="http://schemas.microsoft.com/office/powerpoint/2010/main" val="3265887312"/>
+      </p:ext>
+    </p:extLst>
+  </p:cSld>
+  <p:clrMapOvr>
+    <a:masterClrMapping/>
+  </p:clrMapOvr>
 </p:sld>
 </file>
 
@@ -5947,7 +6285,7 @@
     </a:clrScheme>
     <a:fontScheme name="Mesh">
       <a:majorFont>
-        <a:latin typeface="Century Gothic" panose="020B0502020202020204"/>
+        <a:latin typeface="Century Gothic"/>
         <a:ea typeface=""/>
         <a:cs typeface=""/>
         <a:font script="Jpan" typeface="ＭＳ ゴシック"/>
@@ -5982,7 +6320,7 @@
         <a:font script="Geor" typeface="Sylfaen"/>
       </a:majorFont>
       <a:minorFont>
-        <a:latin typeface="Century Gothic" panose="020B0502020202020204"/>
+        <a:latin typeface="Century Gothic"/>
         <a:ea typeface=""/>
         <a:cs typeface=""/>
         <a:font script="Jpan" typeface="ＭＳ ゴシック"/>
@@ -6154,7 +6492,7 @@
   <a:extraClrSchemeLst/>
   <a:extLst>
     <a:ext uri="{05A4C25C-085E-4340-85A3-A5531E510DB2}">
-      <thm15:themeFamily xmlns:thm15="http://schemas.microsoft.com/office/thememl/2012/main" name="Mesh" id="{789EC3FE-34FD-429C-9918-760025E6C145}" vid="{DD1DAD52-B525-46B5-8E87-60EE23581B9C}"/>
+      <thm15:themeFamily xmlns:thm15="http://schemas.microsoft.com/office/thememl/2012/main" xmlns="" name="Mesh" id="{789EC3FE-34FD-429C-9918-760025E6C145}" vid="{DD1DAD52-B525-46B5-8E87-60EE23581B9C}"/>
     </a:ext>
   </a:extLst>
 </a:theme>
